--- a/PROJET_INFRA.pptx
+++ b/PROJET_INFRA.pptx
@@ -111,6 +111,11 @@
       </a:defRPr>
     </a:lvl9pPr>
   </p:defaultTextStyle>
+  <p:extLst>
+    <p:ext uri="{EFAFB233-063F-42B5-8137-9DF3F51BA10A}">
+      <p15:sldGuideLst xmlns:p15="http://schemas.microsoft.com/office/powerpoint/2012/main"/>
+    </p:ext>
+  </p:extLst>
 </p:presentation>
 </file>
 
@@ -9757,35 +9762,42 @@
           <a:bodyPr/>
           <a:lstStyle/>
           <a:p>
-            <a:endParaRPr lang="fr-FR"/>
-          </a:p>
-        </p:txBody>
-      </p:sp>
-      <p:sp>
-        <p:nvSpPr>
-          <p:cNvPr id="3" name="Espace réservé du contenu 2">
+            <a:r>
+              <a:rPr lang="fr-FR" dirty="0"/>
+              <a:t>Démonstration</a:t>
+            </a:r>
+          </a:p>
+        </p:txBody>
+      </p:sp>
+      <p:pic>
+        <p:nvPicPr>
+          <p:cNvPr id="5" name="Espace réservé du contenu 4">
             <a:extLst>
               <a:ext uri="{FF2B5EF4-FFF2-40B4-BE49-F238E27FC236}">
-                <a16:creationId xmlns:a16="http://schemas.microsoft.com/office/drawing/2014/main" id="{8F9860A2-F14A-41E2-AE14-7799E2BF1AE4}"/>
+                <a16:creationId xmlns:a16="http://schemas.microsoft.com/office/drawing/2014/main" id="{A1FDC593-308E-4138-9AA9-C98F75B2E822}"/>
               </a:ext>
             </a:extLst>
           </p:cNvPr>
-          <p:cNvSpPr>
-            <a:spLocks noGrp="1"/>
-          </p:cNvSpPr>
+          <p:cNvPicPr>
+            <a:picLocks noGrp="1" noChangeAspect="1"/>
+          </p:cNvPicPr>
           <p:nvPr>
             <p:ph idx="1"/>
           </p:nvPr>
-        </p:nvSpPr>
-        <p:spPr/>
-        <p:txBody>
-          <a:bodyPr/>
-          <a:lstStyle/>
-          <a:p>
-            <a:endParaRPr lang="fr-FR"/>
-          </a:p>
-        </p:txBody>
-      </p:sp>
+        </p:nvPicPr>
+        <p:blipFill>
+          <a:blip r:embed="rId2"/>
+          <a:stretch>
+            <a:fillRect/>
+          </a:stretch>
+        </p:blipFill>
+        <p:spPr>
+          <a:xfrm>
+            <a:off x="3388242" y="241366"/>
+            <a:ext cx="5415516" cy="3905159"/>
+          </a:xfrm>
+        </p:spPr>
+      </p:pic>
     </p:spTree>
     <p:extLst>
       <p:ext uri="{BB962C8B-B14F-4D97-AF65-F5344CB8AC3E}">
